--- a/courier management system (1).pptx
+++ b/courier management system (1).pptx
@@ -132,7 +132,7 @@
   </p:defaultTextStyle>
   <p:extLst>
     <p:ext uri="{EFAFB233-063F-42B5-8137-9DF3F51BA10A}">
-      <p15:sldGuideLst xmlns:p15="http://schemas.microsoft.com/office/powerpoint/2012/main"/>
+      <p15:sldGuideLst xmlns:p15="http://schemas.microsoft.com/office/powerpoint/2012/main" xmlns=""/>
     </p:ext>
   </p:extLst>
 </p:presentation>
@@ -5860,7 +5860,7 @@
           <p:cNvPr id="2" name="TextBox 1">
             <a:extLst>
               <a:ext uri="{FF2B5EF4-FFF2-40B4-BE49-F238E27FC236}">
-                <a16:creationId xmlns:a16="http://schemas.microsoft.com/office/drawing/2014/main" id="{FA870110-892A-4A3B-9069-92859C7142EA}"/>
+                <a16:creationId xmlns:a16="http://schemas.microsoft.com/office/drawing/2014/main" xmlns="" id="{FA870110-892A-4A3B-9069-92859C7142EA}"/>
               </a:ext>
             </a:extLst>
           </p:cNvPr>
@@ -5898,7 +5898,7 @@
           <p:cNvPr id="3" name="TextBox 2">
             <a:extLst>
               <a:ext uri="{FF2B5EF4-FFF2-40B4-BE49-F238E27FC236}">
-                <a16:creationId xmlns:a16="http://schemas.microsoft.com/office/drawing/2014/main" id="{4B56FCA9-E7CC-4408-9163-A5A72FDC22C8}"/>
+                <a16:creationId xmlns:a16="http://schemas.microsoft.com/office/drawing/2014/main" xmlns="" id="{4B56FCA9-E7CC-4408-9163-A5A72FDC22C8}"/>
               </a:ext>
             </a:extLst>
           </p:cNvPr>
@@ -5951,7 +5951,7 @@
           <p:cNvPr id="4" name="TextBox 3">
             <a:extLst>
               <a:ext uri="{FF2B5EF4-FFF2-40B4-BE49-F238E27FC236}">
-                <a16:creationId xmlns:a16="http://schemas.microsoft.com/office/drawing/2014/main" id="{73212CAA-E0B3-423D-A0E7-F1DDDC5457DB}"/>
+                <a16:creationId xmlns:a16="http://schemas.microsoft.com/office/drawing/2014/main" xmlns="" id="{73212CAA-E0B3-423D-A0E7-F1DDDC5457DB}"/>
               </a:ext>
             </a:extLst>
           </p:cNvPr>
@@ -5997,7 +5997,7 @@
           <p:cNvPr id="5" name="TextBox 4">
             <a:extLst>
               <a:ext uri="{FF2B5EF4-FFF2-40B4-BE49-F238E27FC236}">
-                <a16:creationId xmlns:a16="http://schemas.microsoft.com/office/drawing/2014/main" id="{91357C8E-87AD-4BF9-A6D2-ECBA68E18739}"/>
+                <a16:creationId xmlns:a16="http://schemas.microsoft.com/office/drawing/2014/main" xmlns="" id="{91357C8E-87AD-4BF9-A6D2-ECBA68E18739}"/>
               </a:ext>
             </a:extLst>
           </p:cNvPr>
@@ -6028,7 +6028,7 @@
               <a:t>Salvi Abhilasha </a:t>
             </a:r>
             <a:r>
-              <a:rPr lang="en-US" sz="2500" dirty="0">
+              <a:rPr lang="en-US" sz="2500" dirty="0" err="1">
                 <a:effectLst/>
                 <a:latin typeface="Times New Roman" panose="02020603050405020304" pitchFamily="18" charset="0"/>
                 <a:ea typeface="Times New Roman" panose="02020603050405020304" pitchFamily="18" charset="0"/>
@@ -6036,12 +6036,23 @@
               <a:t>Rajendra</a:t>
             </a:r>
             <a:r>
-              <a:rPr lang="en-IN" sz="2500" dirty="0">
+              <a:rPr lang="en-IN" sz="2500">
                 <a:latin typeface="Times New Roman" panose="02020603050405020304" pitchFamily="18" charset="0"/>
                 <a:cs typeface="Times New Roman" panose="02020603050405020304" pitchFamily="18" charset="0"/>
               </a:rPr>
-              <a:t>      219060</a:t>
-            </a:r>
+              <a:t>      </a:t>
+            </a:r>
+            <a:r>
+              <a:rPr lang="en-IN" sz="2500" smtClean="0">
+                <a:latin typeface="Times New Roman" panose="02020603050405020304" pitchFamily="18" charset="0"/>
+                <a:cs typeface="Times New Roman" panose="02020603050405020304" pitchFamily="18" charset="0"/>
+              </a:rPr>
+              <a:t>219160</a:t>
+            </a:r>
+            <a:endParaRPr lang="en-IN" sz="2500" dirty="0">
+              <a:latin typeface="Times New Roman" panose="02020603050405020304" pitchFamily="18" charset="0"/>
+              <a:cs typeface="Times New Roman" panose="02020603050405020304" pitchFamily="18" charset="0"/>
+            </a:endParaRPr>
           </a:p>
           <a:p>
             <a:r>
@@ -6089,7 +6100,7 @@
           <p:cNvPr id="2" name="TextBox 1">
             <a:extLst>
               <a:ext uri="{FF2B5EF4-FFF2-40B4-BE49-F238E27FC236}">
-                <a16:creationId xmlns:a16="http://schemas.microsoft.com/office/drawing/2014/main" id="{C4AA13E5-BBF2-4AD4-93A6-1DB0E349C09F}"/>
+                <a16:creationId xmlns:a16="http://schemas.microsoft.com/office/drawing/2014/main" xmlns="" id="{C4AA13E5-BBF2-4AD4-93A6-1DB0E349C09F}"/>
               </a:ext>
             </a:extLst>
           </p:cNvPr>
@@ -6129,7 +6140,7 @@
           <p:cNvPr id="3" name="Picture 2">
             <a:extLst>
               <a:ext uri="{FF2B5EF4-FFF2-40B4-BE49-F238E27FC236}">
-                <a16:creationId xmlns:a16="http://schemas.microsoft.com/office/drawing/2014/main" id="{D585433B-FC18-4049-93AB-12725B619C22}"/>
+                <a16:creationId xmlns:a16="http://schemas.microsoft.com/office/drawing/2014/main" xmlns="" id="{D585433B-FC18-4049-93AB-12725B619C22}"/>
               </a:ext>
             </a:extLst>
           </p:cNvPr>
@@ -6198,7 +6209,7 @@
           <p:cNvPr id="2" name="TextBox 1">
             <a:extLst>
               <a:ext uri="{FF2B5EF4-FFF2-40B4-BE49-F238E27FC236}">
-                <a16:creationId xmlns:a16="http://schemas.microsoft.com/office/drawing/2014/main" id="{5867A4AC-CA00-49BD-B485-FE756381FE38}"/>
+                <a16:creationId xmlns:a16="http://schemas.microsoft.com/office/drawing/2014/main" xmlns="" id="{5867A4AC-CA00-49BD-B485-FE756381FE38}"/>
               </a:ext>
             </a:extLst>
           </p:cNvPr>
@@ -6254,7 +6265,7 @@
           <p:cNvPr id="3" name="Picture 2">
             <a:extLst>
               <a:ext uri="{FF2B5EF4-FFF2-40B4-BE49-F238E27FC236}">
-                <a16:creationId xmlns:a16="http://schemas.microsoft.com/office/drawing/2014/main" id="{0AD0CBA2-C2BE-453E-ACE7-2678F53FD8B3}"/>
+                <a16:creationId xmlns:a16="http://schemas.microsoft.com/office/drawing/2014/main" xmlns="" id="{0AD0CBA2-C2BE-453E-ACE7-2678F53FD8B3}"/>
               </a:ext>
             </a:extLst>
           </p:cNvPr>
@@ -6323,7 +6334,7 @@
           <p:cNvPr id="2" name="TextBox 1">
             <a:extLst>
               <a:ext uri="{FF2B5EF4-FFF2-40B4-BE49-F238E27FC236}">
-                <a16:creationId xmlns:a16="http://schemas.microsoft.com/office/drawing/2014/main" id="{95A83830-25A2-4FFE-8F28-B25301A96772}"/>
+                <a16:creationId xmlns:a16="http://schemas.microsoft.com/office/drawing/2014/main" xmlns="" id="{95A83830-25A2-4FFE-8F28-B25301A96772}"/>
               </a:ext>
             </a:extLst>
           </p:cNvPr>
@@ -6377,7 +6388,7 @@
           <p:cNvPr id="3" name="Picture 2">
             <a:extLst>
               <a:ext uri="{FF2B5EF4-FFF2-40B4-BE49-F238E27FC236}">
-                <a16:creationId xmlns:a16="http://schemas.microsoft.com/office/drawing/2014/main" id="{A4DC3DD1-B4E3-45B2-8BAE-57C9E7869F44}"/>
+                <a16:creationId xmlns:a16="http://schemas.microsoft.com/office/drawing/2014/main" xmlns="" id="{A4DC3DD1-B4E3-45B2-8BAE-57C9E7869F44}"/>
               </a:ext>
             </a:extLst>
           </p:cNvPr>
@@ -6435,7 +6446,7 @@
           <p:cNvPr id="4" name="TextBox 3">
             <a:extLst>
               <a:ext uri="{FF2B5EF4-FFF2-40B4-BE49-F238E27FC236}">
-                <a16:creationId xmlns:a16="http://schemas.microsoft.com/office/drawing/2014/main" id="{EBDE82B2-29DE-4FFB-AA73-91A168ADE68F}"/>
+                <a16:creationId xmlns:a16="http://schemas.microsoft.com/office/drawing/2014/main" xmlns="" id="{EBDE82B2-29DE-4FFB-AA73-91A168ADE68F}"/>
               </a:ext>
             </a:extLst>
           </p:cNvPr>
@@ -6482,7 +6493,7 @@
           <p:cNvPr id="5" name="Picture 4">
             <a:extLst>
               <a:ext uri="{FF2B5EF4-FFF2-40B4-BE49-F238E27FC236}">
-                <a16:creationId xmlns:a16="http://schemas.microsoft.com/office/drawing/2014/main" id="{FED1E3F5-C5C4-4048-95EE-10AEC765E127}"/>
+                <a16:creationId xmlns:a16="http://schemas.microsoft.com/office/drawing/2014/main" xmlns="" id="{FED1E3F5-C5C4-4048-95EE-10AEC765E127}"/>
               </a:ext>
             </a:extLst>
           </p:cNvPr>
@@ -6540,7 +6551,7 @@
           <p:cNvPr id="2" name="TextBox 1">
             <a:extLst>
               <a:ext uri="{FF2B5EF4-FFF2-40B4-BE49-F238E27FC236}">
-                <a16:creationId xmlns:a16="http://schemas.microsoft.com/office/drawing/2014/main" id="{AB05A66F-415B-4503-8F15-69535B5D3DE0}"/>
+                <a16:creationId xmlns:a16="http://schemas.microsoft.com/office/drawing/2014/main" xmlns="" id="{AB05A66F-415B-4503-8F15-69535B5D3DE0}"/>
               </a:ext>
             </a:extLst>
           </p:cNvPr>
@@ -6580,7 +6591,7 @@
           <p:cNvPr id="3" name="Picture 2">
             <a:extLst>
               <a:ext uri="{FF2B5EF4-FFF2-40B4-BE49-F238E27FC236}">
-                <a16:creationId xmlns:a16="http://schemas.microsoft.com/office/drawing/2014/main" id="{724F050A-7D90-455A-BC01-F29BA27C9CAA}"/>
+                <a16:creationId xmlns:a16="http://schemas.microsoft.com/office/drawing/2014/main" xmlns="" id="{724F050A-7D90-455A-BC01-F29BA27C9CAA}"/>
               </a:ext>
             </a:extLst>
           </p:cNvPr>
@@ -6649,7 +6660,7 @@
           <p:cNvPr id="3" name="Picture 2">
             <a:extLst>
               <a:ext uri="{FF2B5EF4-FFF2-40B4-BE49-F238E27FC236}">
-                <a16:creationId xmlns:a16="http://schemas.microsoft.com/office/drawing/2014/main" id="{4AE87EB8-AFD5-4473-8E2C-EF3DD1741F51}"/>
+                <a16:creationId xmlns:a16="http://schemas.microsoft.com/office/drawing/2014/main" xmlns="" id="{4AE87EB8-AFD5-4473-8E2C-EF3DD1741F51}"/>
               </a:ext>
             </a:extLst>
           </p:cNvPr>
@@ -6688,7 +6699,7 @@
           <p:cNvPr id="4" name="TextBox 3">
             <a:extLst>
               <a:ext uri="{FF2B5EF4-FFF2-40B4-BE49-F238E27FC236}">
-                <a16:creationId xmlns:a16="http://schemas.microsoft.com/office/drawing/2014/main" id="{BB92F9A4-94B4-4F0D-8EBA-2B7640C56958}"/>
+                <a16:creationId xmlns:a16="http://schemas.microsoft.com/office/drawing/2014/main" xmlns="" id="{BB92F9A4-94B4-4F0D-8EBA-2B7640C56958}"/>
               </a:ext>
             </a:extLst>
           </p:cNvPr>
@@ -6763,7 +6774,7 @@
           <p:cNvPr id="2" name="TextBox 1">
             <a:extLst>
               <a:ext uri="{FF2B5EF4-FFF2-40B4-BE49-F238E27FC236}">
-                <a16:creationId xmlns:a16="http://schemas.microsoft.com/office/drawing/2014/main" id="{93BEDAB4-8A1E-4ED6-BA89-C2A94BA6D80D}"/>
+                <a16:creationId xmlns:a16="http://schemas.microsoft.com/office/drawing/2014/main" xmlns="" id="{93BEDAB4-8A1E-4ED6-BA89-C2A94BA6D80D}"/>
               </a:ext>
             </a:extLst>
           </p:cNvPr>
@@ -6803,7 +6814,7 @@
           <p:cNvPr id="3" name="Picture 2">
             <a:extLst>
               <a:ext uri="{FF2B5EF4-FFF2-40B4-BE49-F238E27FC236}">
-                <a16:creationId xmlns:a16="http://schemas.microsoft.com/office/drawing/2014/main" id="{0F0B4427-74EC-4366-88AD-DCEC96225E37}"/>
+                <a16:creationId xmlns:a16="http://schemas.microsoft.com/office/drawing/2014/main" xmlns="" id="{0F0B4427-74EC-4366-88AD-DCEC96225E37}"/>
               </a:ext>
             </a:extLst>
           </p:cNvPr>
@@ -6872,7 +6883,7 @@
           <p:cNvPr id="2" name="TextBox 1">
             <a:extLst>
               <a:ext uri="{FF2B5EF4-FFF2-40B4-BE49-F238E27FC236}">
-                <a16:creationId xmlns:a16="http://schemas.microsoft.com/office/drawing/2014/main" id="{C1EADE1A-463C-4D82-B053-FE0466DF8289}"/>
+                <a16:creationId xmlns:a16="http://schemas.microsoft.com/office/drawing/2014/main" xmlns="" id="{C1EADE1A-463C-4D82-B053-FE0466DF8289}"/>
               </a:ext>
             </a:extLst>
           </p:cNvPr>
@@ -6912,7 +6923,7 @@
           <p:cNvPr id="3" name="Picture 2">
             <a:extLst>
               <a:ext uri="{FF2B5EF4-FFF2-40B4-BE49-F238E27FC236}">
-                <a16:creationId xmlns:a16="http://schemas.microsoft.com/office/drawing/2014/main" id="{F4691071-77CD-4AE5-B527-8FF506971C46}"/>
+                <a16:creationId xmlns:a16="http://schemas.microsoft.com/office/drawing/2014/main" xmlns="" id="{F4691071-77CD-4AE5-B527-8FF506971C46}"/>
               </a:ext>
             </a:extLst>
           </p:cNvPr>
@@ -6981,7 +6992,7 @@
           <p:cNvPr id="2" name="TextBox 1">
             <a:extLst>
               <a:ext uri="{FF2B5EF4-FFF2-40B4-BE49-F238E27FC236}">
-                <a16:creationId xmlns:a16="http://schemas.microsoft.com/office/drawing/2014/main" id="{0A34574F-E305-4C97-86B0-A364CAE1C0E7}"/>
+                <a16:creationId xmlns:a16="http://schemas.microsoft.com/office/drawing/2014/main" xmlns="" id="{0A34574F-E305-4C97-86B0-A364CAE1C0E7}"/>
               </a:ext>
             </a:extLst>
           </p:cNvPr>
@@ -7021,7 +7032,7 @@
           <p:cNvPr id="3" name="Picture 2">
             <a:extLst>
               <a:ext uri="{FF2B5EF4-FFF2-40B4-BE49-F238E27FC236}">
-                <a16:creationId xmlns:a16="http://schemas.microsoft.com/office/drawing/2014/main" id="{BD1CB503-4E9D-4673-9249-85C161627106}"/>
+                <a16:creationId xmlns:a16="http://schemas.microsoft.com/office/drawing/2014/main" xmlns="" id="{BD1CB503-4E9D-4673-9249-85C161627106}"/>
               </a:ext>
             </a:extLst>
           </p:cNvPr>
@@ -7079,7 +7090,7 @@
           <p:cNvPr id="2" name="TextBox 1">
             <a:extLst>
               <a:ext uri="{FF2B5EF4-FFF2-40B4-BE49-F238E27FC236}">
-                <a16:creationId xmlns:a16="http://schemas.microsoft.com/office/drawing/2014/main" id="{4204652E-7055-4834-B3F0-6BB9BD7620FE}"/>
+                <a16:creationId xmlns:a16="http://schemas.microsoft.com/office/drawing/2014/main" xmlns="" id="{4204652E-7055-4834-B3F0-6BB9BD7620FE}"/>
               </a:ext>
             </a:extLst>
           </p:cNvPr>
@@ -7126,7 +7137,7 @@
           <p:cNvPr id="3" name="Picture 2">
             <a:extLst>
               <a:ext uri="{FF2B5EF4-FFF2-40B4-BE49-F238E27FC236}">
-                <a16:creationId xmlns:a16="http://schemas.microsoft.com/office/drawing/2014/main" id="{0E2AF87A-6CC6-4070-A128-796BAC90CF03}"/>
+                <a16:creationId xmlns:a16="http://schemas.microsoft.com/office/drawing/2014/main" xmlns="" id="{0E2AF87A-6CC6-4070-A128-796BAC90CF03}"/>
               </a:ext>
             </a:extLst>
           </p:cNvPr>
@@ -7195,7 +7206,7 @@
           <p:cNvPr id="2" name="TextBox 1">
             <a:extLst>
               <a:ext uri="{FF2B5EF4-FFF2-40B4-BE49-F238E27FC236}">
-                <a16:creationId xmlns:a16="http://schemas.microsoft.com/office/drawing/2014/main" id="{116FEEDB-38E0-4DC4-BB23-93A070A7E016}"/>
+                <a16:creationId xmlns:a16="http://schemas.microsoft.com/office/drawing/2014/main" xmlns="" id="{116FEEDB-38E0-4DC4-BB23-93A070A7E016}"/>
               </a:ext>
             </a:extLst>
           </p:cNvPr>
@@ -7233,7 +7244,7 @@
           <p:cNvPr id="5" name="TextBox 4">
             <a:extLst>
               <a:ext uri="{FF2B5EF4-FFF2-40B4-BE49-F238E27FC236}">
-                <a16:creationId xmlns:a16="http://schemas.microsoft.com/office/drawing/2014/main" id="{6A79E2D0-20A6-4750-9EBC-91E2648838BF}"/>
+                <a16:creationId xmlns:a16="http://schemas.microsoft.com/office/drawing/2014/main" xmlns="" id="{6A79E2D0-20A6-4750-9EBC-91E2648838BF}"/>
               </a:ext>
             </a:extLst>
           </p:cNvPr>
@@ -7403,7 +7414,7 @@
           <p:cNvPr id="2" name="TextBox 1">
             <a:extLst>
               <a:ext uri="{FF2B5EF4-FFF2-40B4-BE49-F238E27FC236}">
-                <a16:creationId xmlns:a16="http://schemas.microsoft.com/office/drawing/2014/main" id="{D4672BF9-7E2A-4416-B111-413498722C28}"/>
+                <a16:creationId xmlns:a16="http://schemas.microsoft.com/office/drawing/2014/main" xmlns="" id="{D4672BF9-7E2A-4416-B111-413498722C28}"/>
               </a:ext>
             </a:extLst>
           </p:cNvPr>
@@ -7460,7 +7471,7 @@
           <p:cNvPr id="3" name="Picture 2">
             <a:extLst>
               <a:ext uri="{FF2B5EF4-FFF2-40B4-BE49-F238E27FC236}">
-                <a16:creationId xmlns:a16="http://schemas.microsoft.com/office/drawing/2014/main" id="{EDBE9AE1-FACE-495B-BD5D-1428978F0DA4}"/>
+                <a16:creationId xmlns:a16="http://schemas.microsoft.com/office/drawing/2014/main" xmlns="" id="{EDBE9AE1-FACE-495B-BD5D-1428978F0DA4}"/>
               </a:ext>
             </a:extLst>
           </p:cNvPr>
@@ -7529,7 +7540,7 @@
           <p:cNvPr id="2" name="TextBox 1">
             <a:extLst>
               <a:ext uri="{FF2B5EF4-FFF2-40B4-BE49-F238E27FC236}">
-                <a16:creationId xmlns:a16="http://schemas.microsoft.com/office/drawing/2014/main" id="{A1159AE7-6E1A-4341-9192-168504E1896B}"/>
+                <a16:creationId xmlns:a16="http://schemas.microsoft.com/office/drawing/2014/main" xmlns="" id="{A1159AE7-6E1A-4341-9192-168504E1896B}"/>
               </a:ext>
             </a:extLst>
           </p:cNvPr>
@@ -7573,7 +7584,7 @@
           <p:cNvPr id="3" name="Picture 2">
             <a:extLst>
               <a:ext uri="{FF2B5EF4-FFF2-40B4-BE49-F238E27FC236}">
-                <a16:creationId xmlns:a16="http://schemas.microsoft.com/office/drawing/2014/main" id="{E4DCB088-8957-4823-A491-67C1946863EA}"/>
+                <a16:creationId xmlns:a16="http://schemas.microsoft.com/office/drawing/2014/main" xmlns="" id="{E4DCB088-8957-4823-A491-67C1946863EA}"/>
               </a:ext>
             </a:extLst>
           </p:cNvPr>
@@ -7631,7 +7642,7 @@
           <p:cNvPr id="2" name="TextBox 1">
             <a:extLst>
               <a:ext uri="{FF2B5EF4-FFF2-40B4-BE49-F238E27FC236}">
-                <a16:creationId xmlns:a16="http://schemas.microsoft.com/office/drawing/2014/main" id="{9D115541-5214-4E25-8047-750687EF7610}"/>
+                <a16:creationId xmlns:a16="http://schemas.microsoft.com/office/drawing/2014/main" xmlns="" id="{9D115541-5214-4E25-8047-750687EF7610}"/>
               </a:ext>
             </a:extLst>
           </p:cNvPr>
@@ -7678,7 +7689,7 @@
           <p:cNvPr id="3" name="Picture 2">
             <a:extLst>
               <a:ext uri="{FF2B5EF4-FFF2-40B4-BE49-F238E27FC236}">
-                <a16:creationId xmlns:a16="http://schemas.microsoft.com/office/drawing/2014/main" id="{BBCBFF4B-673F-4BD9-AF0E-5F53B5CB2F8E}"/>
+                <a16:creationId xmlns:a16="http://schemas.microsoft.com/office/drawing/2014/main" xmlns="" id="{BBCBFF4B-673F-4BD9-AF0E-5F53B5CB2F8E}"/>
               </a:ext>
             </a:extLst>
           </p:cNvPr>
@@ -7736,7 +7747,7 @@
           <p:cNvPr id="4" name="TextBox 3">
             <a:extLst>
               <a:ext uri="{FF2B5EF4-FFF2-40B4-BE49-F238E27FC236}">
-                <a16:creationId xmlns:a16="http://schemas.microsoft.com/office/drawing/2014/main" id="{F02B2886-C939-436E-97F3-60C5F5C4C818}"/>
+                <a16:creationId xmlns:a16="http://schemas.microsoft.com/office/drawing/2014/main" xmlns="" id="{F02B2886-C939-436E-97F3-60C5F5C4C818}"/>
               </a:ext>
             </a:extLst>
           </p:cNvPr>
@@ -7791,7 +7802,7 @@
           <p:cNvPr id="5" name="Picture 4">
             <a:extLst>
               <a:ext uri="{FF2B5EF4-FFF2-40B4-BE49-F238E27FC236}">
-                <a16:creationId xmlns:a16="http://schemas.microsoft.com/office/drawing/2014/main" id="{4023A0A4-47C9-4BF5-B31F-180A44294A40}"/>
+                <a16:creationId xmlns:a16="http://schemas.microsoft.com/office/drawing/2014/main" xmlns="" id="{4023A0A4-47C9-4BF5-B31F-180A44294A40}"/>
               </a:ext>
             </a:extLst>
           </p:cNvPr>
@@ -7849,7 +7860,7 @@
           <p:cNvPr id="2" name="TextBox 1">
             <a:extLst>
               <a:ext uri="{FF2B5EF4-FFF2-40B4-BE49-F238E27FC236}">
-                <a16:creationId xmlns:a16="http://schemas.microsoft.com/office/drawing/2014/main" id="{DBC42E56-61EF-4C05-B88B-F7BFA026C5F7}"/>
+                <a16:creationId xmlns:a16="http://schemas.microsoft.com/office/drawing/2014/main" xmlns="" id="{DBC42E56-61EF-4C05-B88B-F7BFA026C5F7}"/>
               </a:ext>
             </a:extLst>
           </p:cNvPr>
@@ -8022,7 +8033,7 @@
           <p:cNvPr id="2" name="TextBox 1">
             <a:extLst>
               <a:ext uri="{FF2B5EF4-FFF2-40B4-BE49-F238E27FC236}">
-                <a16:creationId xmlns:a16="http://schemas.microsoft.com/office/drawing/2014/main" id="{775589D6-D978-42F1-AC1A-030B7097EE0E}"/>
+                <a16:creationId xmlns:a16="http://schemas.microsoft.com/office/drawing/2014/main" xmlns="" id="{775589D6-D978-42F1-AC1A-030B7097EE0E}"/>
               </a:ext>
             </a:extLst>
           </p:cNvPr>
@@ -8155,6 +8166,14 @@
             </a:endParaRPr>
           </a:p>
           <a:p>
+            <a:r>
+              <a:rPr lang="en-US" sz="1800" dirty="0">
+                <a:effectLst/>
+                <a:latin typeface="Times New Roman" panose="02020603050405020304" pitchFamily="18" charset="0"/>
+                <a:ea typeface="Times New Roman" panose="02020603050405020304" pitchFamily="18" charset="0"/>
+              </a:rPr>
+              <a:t/>
+            </a:r>
             <a:br>
               <a:rPr lang="en-US" sz="1800" dirty="0">
                 <a:effectLst/>
@@ -8205,7 +8224,7 @@
           <p:cNvPr id="2" name="TextBox 1">
             <a:extLst>
               <a:ext uri="{FF2B5EF4-FFF2-40B4-BE49-F238E27FC236}">
-                <a16:creationId xmlns:a16="http://schemas.microsoft.com/office/drawing/2014/main" id="{E688DEAF-3422-435D-974E-CA0A5C9A0C80}"/>
+                <a16:creationId xmlns:a16="http://schemas.microsoft.com/office/drawing/2014/main" xmlns="" id="{E688DEAF-3422-435D-974E-CA0A5C9A0C80}"/>
               </a:ext>
             </a:extLst>
           </p:cNvPr>
@@ -8430,7 +8449,7 @@
           <p:cNvPr id="2" name="TextBox 1">
             <a:extLst>
               <a:ext uri="{FF2B5EF4-FFF2-40B4-BE49-F238E27FC236}">
-                <a16:creationId xmlns:a16="http://schemas.microsoft.com/office/drawing/2014/main" id="{1832B49E-42B6-4ACF-8ED3-C15B1FC08595}"/>
+                <a16:creationId xmlns:a16="http://schemas.microsoft.com/office/drawing/2014/main" xmlns="" id="{1832B49E-42B6-4ACF-8ED3-C15B1FC08595}"/>
               </a:ext>
             </a:extLst>
           </p:cNvPr>
@@ -8498,7 +8517,7 @@
           <p:cNvPr id="3" name="TextBox 2">
             <a:extLst>
               <a:ext uri="{FF2B5EF4-FFF2-40B4-BE49-F238E27FC236}">
-                <a16:creationId xmlns:a16="http://schemas.microsoft.com/office/drawing/2014/main" id="{8E39993E-0B08-4B3B-95F2-3C80A5DAB7F3}"/>
+                <a16:creationId xmlns:a16="http://schemas.microsoft.com/office/drawing/2014/main" xmlns="" id="{8E39993E-0B08-4B3B-95F2-3C80A5DAB7F3}"/>
               </a:ext>
             </a:extLst>
           </p:cNvPr>
@@ -8818,7 +8837,7 @@
           <p:cNvPr id="4" name="TextBox 3">
             <a:extLst>
               <a:ext uri="{FF2B5EF4-FFF2-40B4-BE49-F238E27FC236}">
-                <a16:creationId xmlns:a16="http://schemas.microsoft.com/office/drawing/2014/main" id="{7E38AFB7-44AE-4E48-A9F5-7A1332020A05}"/>
+                <a16:creationId xmlns:a16="http://schemas.microsoft.com/office/drawing/2014/main" xmlns="" id="{7E38AFB7-44AE-4E48-A9F5-7A1332020A05}"/>
               </a:ext>
             </a:extLst>
           </p:cNvPr>
@@ -8890,7 +8909,7 @@
           <p:cNvPr id="4" name="TextBox 3">
             <a:extLst>
               <a:ext uri="{FF2B5EF4-FFF2-40B4-BE49-F238E27FC236}">
-                <a16:creationId xmlns:a16="http://schemas.microsoft.com/office/drawing/2014/main" id="{C29DC129-AFB3-4A06-BCC1-41BEF9AEB35B}"/>
+                <a16:creationId xmlns:a16="http://schemas.microsoft.com/office/drawing/2014/main" xmlns="" id="{C29DC129-AFB3-4A06-BCC1-41BEF9AEB35B}"/>
               </a:ext>
             </a:extLst>
           </p:cNvPr>
@@ -9021,7 +9040,7 @@
           <p:cNvPr id="5" name="TextBox 4">
             <a:extLst>
               <a:ext uri="{FF2B5EF4-FFF2-40B4-BE49-F238E27FC236}">
-                <a16:creationId xmlns:a16="http://schemas.microsoft.com/office/drawing/2014/main" id="{21A209E1-F61A-42E0-92B3-1D8B1A843C7E}"/>
+                <a16:creationId xmlns:a16="http://schemas.microsoft.com/office/drawing/2014/main" xmlns="" id="{21A209E1-F61A-42E0-92B3-1D8B1A843C7E}"/>
               </a:ext>
             </a:extLst>
           </p:cNvPr>
@@ -9286,7 +9305,7 @@
           <p:cNvPr id="2" name="TextBox 1">
             <a:extLst>
               <a:ext uri="{FF2B5EF4-FFF2-40B4-BE49-F238E27FC236}">
-                <a16:creationId xmlns:a16="http://schemas.microsoft.com/office/drawing/2014/main" id="{22CA2FE8-0889-4B13-A78D-4192C7CCBFAE}"/>
+                <a16:creationId xmlns:a16="http://schemas.microsoft.com/office/drawing/2014/main" xmlns="" id="{22CA2FE8-0889-4B13-A78D-4192C7CCBFAE}"/>
               </a:ext>
             </a:extLst>
           </p:cNvPr>
@@ -9331,7 +9350,7 @@
           <p:cNvPr id="3" name="TextBox 2">
             <a:extLst>
               <a:ext uri="{FF2B5EF4-FFF2-40B4-BE49-F238E27FC236}">
-                <a16:creationId xmlns:a16="http://schemas.microsoft.com/office/drawing/2014/main" id="{2A588BA3-EF83-4845-8390-21FEA125BA3C}"/>
+                <a16:creationId xmlns:a16="http://schemas.microsoft.com/office/drawing/2014/main" xmlns="" id="{2A588BA3-EF83-4845-8390-21FEA125BA3C}"/>
               </a:ext>
             </a:extLst>
           </p:cNvPr>
@@ -9545,7 +9564,7 @@
           <p:cNvPr id="2" name="TextBox 1">
             <a:extLst>
               <a:ext uri="{FF2B5EF4-FFF2-40B4-BE49-F238E27FC236}">
-                <a16:creationId xmlns:a16="http://schemas.microsoft.com/office/drawing/2014/main" id="{4BA4319E-B74B-41A3-880E-7A1F6D9BE243}"/>
+                <a16:creationId xmlns:a16="http://schemas.microsoft.com/office/drawing/2014/main" xmlns="" id="{4BA4319E-B74B-41A3-880E-7A1F6D9BE243}"/>
               </a:ext>
             </a:extLst>
           </p:cNvPr>
@@ -10032,7 +10051,7 @@
           <p:cNvPr id="5" name="TextBox 4">
             <a:extLst>
               <a:ext uri="{FF2B5EF4-FFF2-40B4-BE49-F238E27FC236}">
-                <a16:creationId xmlns:a16="http://schemas.microsoft.com/office/drawing/2014/main" id="{CD3A2901-73AC-41CE-A6BE-8B3BCED7E51B}"/>
+                <a16:creationId xmlns:a16="http://schemas.microsoft.com/office/drawing/2014/main" xmlns="" id="{CD3A2901-73AC-41CE-A6BE-8B3BCED7E51B}"/>
               </a:ext>
             </a:extLst>
           </p:cNvPr>
@@ -10430,7 +10449,7 @@
           <p:cNvPr id="2" name="TextBox 1">
             <a:extLst>
               <a:ext uri="{FF2B5EF4-FFF2-40B4-BE49-F238E27FC236}">
-                <a16:creationId xmlns:a16="http://schemas.microsoft.com/office/drawing/2014/main" id="{24AF777D-D66A-4E36-BA09-B6F5B0D82D26}"/>
+                <a16:creationId xmlns:a16="http://schemas.microsoft.com/office/drawing/2014/main" xmlns="" id="{24AF777D-D66A-4E36-BA09-B6F5B0D82D26}"/>
               </a:ext>
             </a:extLst>
           </p:cNvPr>
@@ -10567,7 +10586,7 @@
           <p:cNvPr id="3" name="TextBox 2">
             <a:extLst>
               <a:ext uri="{FF2B5EF4-FFF2-40B4-BE49-F238E27FC236}">
-                <a16:creationId xmlns:a16="http://schemas.microsoft.com/office/drawing/2014/main" id="{8FA538DF-DE38-4BB4-B5CD-4699D5F65254}"/>
+                <a16:creationId xmlns:a16="http://schemas.microsoft.com/office/drawing/2014/main" xmlns="" id="{8FA538DF-DE38-4BB4-B5CD-4699D5F65254}"/>
               </a:ext>
             </a:extLst>
           </p:cNvPr>
@@ -10607,7 +10626,7 @@
           <p:cNvPr id="4" name="Picture 3">
             <a:extLst>
               <a:ext uri="{FF2B5EF4-FFF2-40B4-BE49-F238E27FC236}">
-                <a16:creationId xmlns:a16="http://schemas.microsoft.com/office/drawing/2014/main" id="{00DCB511-7213-471B-88D2-F8928B131852}"/>
+                <a16:creationId xmlns:a16="http://schemas.microsoft.com/office/drawing/2014/main" xmlns="" id="{00DCB511-7213-471B-88D2-F8928B131852}"/>
               </a:ext>
             </a:extLst>
           </p:cNvPr>
@@ -10697,7 +10716,7 @@
     </a:clrScheme>
     <a:fontScheme name="Facet">
       <a:majorFont>
-        <a:latin typeface="Trebuchet MS" panose="020B0603020202020204"/>
+        <a:latin typeface="Trebuchet MS"/>
         <a:ea typeface=""/>
         <a:cs typeface=""/>
         <a:font script="Jpan" typeface="メイリオ"/>
@@ -10732,7 +10751,7 @@
         <a:font script="Geor" typeface="Sylfaen"/>
       </a:majorFont>
       <a:minorFont>
-        <a:latin typeface="Trebuchet MS" panose="020B0603020202020204"/>
+        <a:latin typeface="Trebuchet MS"/>
         <a:ea typeface=""/>
         <a:cs typeface=""/>
         <a:font script="Jpan" typeface="メイリオ"/>
@@ -10905,7 +10924,7 @@
   <a:extraClrSchemeLst/>
   <a:extLst>
     <a:ext uri="{05A4C25C-085E-4340-85A3-A5531E510DB2}">
-      <thm15:themeFamily xmlns:thm15="http://schemas.microsoft.com/office/thememl/2012/main" name="Facet" id="{C0C680CD-088A-49FC-A102-D699147F32B2}" vid="{CFBC31BA-B70F-4F30-BCAA-4F3011E16C4D}"/>
+      <thm15:themeFamily xmlns:thm15="http://schemas.microsoft.com/office/thememl/2012/main" xmlns="" name="Facet" id="{C0C680CD-088A-49FC-A102-D699147F32B2}" vid="{CFBC31BA-B70F-4F30-BCAA-4F3011E16C4D}"/>
     </a:ext>
   </a:extLst>
 </a:theme>
